--- a/reports/DATA 1030 Midterm Project Presentation.pptx
+++ b/reports/DATA 1030 Midterm Project Presentation.pptx
@@ -19,6 +19,10 @@
     <p:sldId id="264" r:id="rId14"/>
     <p:sldId id="265" r:id="rId15"/>
     <p:sldId id="266" r:id="rId16"/>
+    <p:sldId id="267" r:id="rId17"/>
+    <p:sldId id="268" r:id="rId18"/>
+    <p:sldId id="269" r:id="rId19"/>
+    <p:sldId id="270" r:id="rId20"/>
   </p:sldIdLst>
   <p:sldSz cy="5143500" cx="9144000"/>
   <p:notesSz cx="6858000" cy="9144000"/>
@@ -814,7 +818,7 @@
       </p:grpSpPr>
       <p:sp>
         <p:nvSpPr>
-          <p:cNvPr id="105" name="Google Shape;105;g632d2c75ac_0_138:notes"/>
+          <p:cNvPr id="105" name="Google Shape;105;g632d2c75ac_0_133:notes"/>
           <p:cNvSpPr/>
           <p:nvPr>
             <p:ph idx="2" type="sldImg"/>
@@ -849,7 +853,7 @@
       </p:sp>
       <p:sp>
         <p:nvSpPr>
-          <p:cNvPr id="106" name="Google Shape;106;g632d2c75ac_0_138:notes"/>
+          <p:cNvPr id="106" name="Google Shape;106;g632d2c75ac_0_133:notes"/>
           <p:cNvSpPr txBox="1"/>
           <p:nvPr>
             <p:ph idx="1" type="body"/>
@@ -913,7 +917,7 @@
       </p:grpSpPr>
       <p:sp>
         <p:nvSpPr>
-          <p:cNvPr id="111" name="Google Shape;111;g632d2c75ac_0_143:notes"/>
+          <p:cNvPr id="111" name="Google Shape;111;g62419866c6_0_10:notes"/>
           <p:cNvSpPr/>
           <p:nvPr>
             <p:ph idx="2" type="sldImg"/>
@@ -948,7 +952,403 @@
       </p:sp>
       <p:sp>
         <p:nvSpPr>
-          <p:cNvPr id="112" name="Google Shape;112;g632d2c75ac_0_143:notes"/>
+          <p:cNvPr id="112" name="Google Shape;112;g62419866c6_0_10:notes"/>
+          <p:cNvSpPr txBox="1"/>
+          <p:nvPr>
+            <p:ph idx="1" type="body"/>
+          </p:nvPr>
+        </p:nvSpPr>
+        <p:spPr>
+          <a:xfrm>
+            <a:off x="685800" y="4343400"/>
+            <a:ext cx="5486400" cy="4114800"/>
+          </a:xfrm>
+          <a:prstGeom prst="rect">
+            <a:avLst/>
+          </a:prstGeom>
+        </p:spPr>
+        <p:txBody>
+          <a:bodyPr anchorCtr="0" anchor="t" bIns="91425" lIns="91425" spcFirstLastPara="1" rIns="91425" wrap="square" tIns="91425">
+            <a:noAutofit/>
+          </a:bodyPr>
+          <a:lstStyle/>
+          <a:p>
+            <a:pPr indent="0" lvl="0" marL="0" rtl="0" algn="l">
+              <a:spcBef>
+                <a:spcPts val="0"/>
+              </a:spcBef>
+              <a:spcAft>
+                <a:spcPts val="0"/>
+              </a:spcAft>
+              <a:buNone/>
+            </a:pPr>
+            <a:r>
+              <a:t/>
+            </a:r>
+            <a:endParaRPr/>
+          </a:p>
+        </p:txBody>
+      </p:sp>
+    </p:spTree>
+  </p:cSld>
+  <p:clrMapOvr>
+    <a:masterClrMapping/>
+  </p:clrMapOvr>
+</p:notes>
+</file>
+
+<file path=ppt/notesSlides/notesSlide12.xml><?xml version="1.0" encoding="utf-8"?>
+<p:notes xmlns:a="http://schemas.openxmlformats.org/drawingml/2006/main" xmlns:r="http://schemas.openxmlformats.org/officeDocument/2006/relationships" xmlns:mc="http://schemas.openxmlformats.org/markup-compatibility/2006" xmlns:mv="urn:schemas-microsoft-com:mac:vml" xmlns:p="http://schemas.openxmlformats.org/presentationml/2006/main" xmlns:c="http://schemas.openxmlformats.org/drawingml/2006/chart" xmlns:dgm="http://schemas.openxmlformats.org/drawingml/2006/diagram" xmlns:o="urn:schemas-microsoft-com:office:office" xmlns:v="urn:schemas-microsoft-com:vml" xmlns:pvml="urn:schemas-microsoft-com:office:powerpoint" xmlns:com="http://schemas.openxmlformats.org/drawingml/2006/compatibility" xmlns:p14="http://schemas.microsoft.com/office/powerpoint/2010/main" xmlns:p15="http://schemas.microsoft.com/office/powerpoint/2012/main" showMasterPhAnim="0" showMasterSp="0">
+  <p:cSld>
+    <p:spTree>
+      <p:nvGrpSpPr>
+        <p:cNvPr id="116" name="Shape 116"/>
+        <p:cNvGrpSpPr/>
+        <p:nvPr/>
+      </p:nvGrpSpPr>
+      <p:grpSpPr>
+        <a:xfrm>
+          <a:off x="0" y="0"/>
+          <a:ext cx="0" cy="0"/>
+          <a:chOff x="0" y="0"/>
+          <a:chExt cx="0" cy="0"/>
+        </a:xfrm>
+      </p:grpSpPr>
+      <p:sp>
+        <p:nvSpPr>
+          <p:cNvPr id="117" name="Google Shape;117;g632d2c75ac_0_138:notes"/>
+          <p:cNvSpPr/>
+          <p:nvPr>
+            <p:ph idx="2" type="sldImg"/>
+          </p:nvPr>
+        </p:nvSpPr>
+        <p:spPr>
+          <a:xfrm>
+            <a:off x="381300" y="685800"/>
+            <a:ext cx="6096000" cy="3429000"/>
+          </a:xfrm>
+          <a:custGeom>
+            <a:rect b="b" l="l" r="r" t="t"/>
+            <a:pathLst>
+              <a:path extrusionOk="0" h="120000" w="120000">
+                <a:moveTo>
+                  <a:pt x="0" y="0"/>
+                </a:moveTo>
+                <a:lnTo>
+                  <a:pt x="120000" y="0"/>
+                </a:lnTo>
+                <a:lnTo>
+                  <a:pt x="120000" y="120000"/>
+                </a:lnTo>
+                <a:lnTo>
+                  <a:pt x="0" y="120000"/>
+                </a:lnTo>
+                <a:close/>
+              </a:path>
+            </a:pathLst>
+          </a:custGeom>
+        </p:spPr>
+      </p:sp>
+      <p:sp>
+        <p:nvSpPr>
+          <p:cNvPr id="118" name="Google Shape;118;g632d2c75ac_0_138:notes"/>
+          <p:cNvSpPr txBox="1"/>
+          <p:nvPr>
+            <p:ph idx="1" type="body"/>
+          </p:nvPr>
+        </p:nvSpPr>
+        <p:spPr>
+          <a:xfrm>
+            <a:off x="685800" y="4343400"/>
+            <a:ext cx="5486400" cy="4114800"/>
+          </a:xfrm>
+          <a:prstGeom prst="rect">
+            <a:avLst/>
+          </a:prstGeom>
+        </p:spPr>
+        <p:txBody>
+          <a:bodyPr anchorCtr="0" anchor="t" bIns="91425" lIns="91425" spcFirstLastPara="1" rIns="91425" wrap="square" tIns="91425">
+            <a:noAutofit/>
+          </a:bodyPr>
+          <a:lstStyle/>
+          <a:p>
+            <a:pPr indent="0" lvl="0" marL="0" rtl="0" algn="l">
+              <a:spcBef>
+                <a:spcPts val="0"/>
+              </a:spcBef>
+              <a:spcAft>
+                <a:spcPts val="0"/>
+              </a:spcAft>
+              <a:buNone/>
+            </a:pPr>
+            <a:r>
+              <a:t/>
+            </a:r>
+            <a:endParaRPr/>
+          </a:p>
+        </p:txBody>
+      </p:sp>
+    </p:spTree>
+  </p:cSld>
+  <p:clrMapOvr>
+    <a:masterClrMapping/>
+  </p:clrMapOvr>
+</p:notes>
+</file>
+
+<file path=ppt/notesSlides/notesSlide13.xml><?xml version="1.0" encoding="utf-8"?>
+<p:notes xmlns:a="http://schemas.openxmlformats.org/drawingml/2006/main" xmlns:r="http://schemas.openxmlformats.org/officeDocument/2006/relationships" xmlns:mc="http://schemas.openxmlformats.org/markup-compatibility/2006" xmlns:mv="urn:schemas-microsoft-com:mac:vml" xmlns:p="http://schemas.openxmlformats.org/presentationml/2006/main" xmlns:c="http://schemas.openxmlformats.org/drawingml/2006/chart" xmlns:dgm="http://schemas.openxmlformats.org/drawingml/2006/diagram" xmlns:o="urn:schemas-microsoft-com:office:office" xmlns:v="urn:schemas-microsoft-com:vml" xmlns:pvml="urn:schemas-microsoft-com:office:powerpoint" xmlns:com="http://schemas.openxmlformats.org/drawingml/2006/compatibility" xmlns:p14="http://schemas.microsoft.com/office/powerpoint/2010/main" xmlns:p15="http://schemas.microsoft.com/office/powerpoint/2012/main" showMasterPhAnim="0" showMasterSp="0">
+  <p:cSld>
+    <p:spTree>
+      <p:nvGrpSpPr>
+        <p:cNvPr id="122" name="Shape 122"/>
+        <p:cNvGrpSpPr/>
+        <p:nvPr/>
+      </p:nvGrpSpPr>
+      <p:grpSpPr>
+        <a:xfrm>
+          <a:off x="0" y="0"/>
+          <a:ext cx="0" cy="0"/>
+          <a:chOff x="0" y="0"/>
+          <a:chExt cx="0" cy="0"/>
+        </a:xfrm>
+      </p:grpSpPr>
+      <p:sp>
+        <p:nvSpPr>
+          <p:cNvPr id="123" name="Google Shape;123;g62419866c6_0_15:notes"/>
+          <p:cNvSpPr/>
+          <p:nvPr>
+            <p:ph idx="2" type="sldImg"/>
+          </p:nvPr>
+        </p:nvSpPr>
+        <p:spPr>
+          <a:xfrm>
+            <a:off x="381300" y="685800"/>
+            <a:ext cx="6096000" cy="3429000"/>
+          </a:xfrm>
+          <a:custGeom>
+            <a:rect b="b" l="l" r="r" t="t"/>
+            <a:pathLst>
+              <a:path extrusionOk="0" h="120000" w="120000">
+                <a:moveTo>
+                  <a:pt x="0" y="0"/>
+                </a:moveTo>
+                <a:lnTo>
+                  <a:pt x="120000" y="0"/>
+                </a:lnTo>
+                <a:lnTo>
+                  <a:pt x="120000" y="120000"/>
+                </a:lnTo>
+                <a:lnTo>
+                  <a:pt x="0" y="120000"/>
+                </a:lnTo>
+                <a:close/>
+              </a:path>
+            </a:pathLst>
+          </a:custGeom>
+        </p:spPr>
+      </p:sp>
+      <p:sp>
+        <p:nvSpPr>
+          <p:cNvPr id="124" name="Google Shape;124;g62419866c6_0_15:notes"/>
+          <p:cNvSpPr txBox="1"/>
+          <p:nvPr>
+            <p:ph idx="1" type="body"/>
+          </p:nvPr>
+        </p:nvSpPr>
+        <p:spPr>
+          <a:xfrm>
+            <a:off x="685800" y="4343400"/>
+            <a:ext cx="5486400" cy="4114800"/>
+          </a:xfrm>
+          <a:prstGeom prst="rect">
+            <a:avLst/>
+          </a:prstGeom>
+        </p:spPr>
+        <p:txBody>
+          <a:bodyPr anchorCtr="0" anchor="t" bIns="91425" lIns="91425" spcFirstLastPara="1" rIns="91425" wrap="square" tIns="91425">
+            <a:noAutofit/>
+          </a:bodyPr>
+          <a:lstStyle/>
+          <a:p>
+            <a:pPr indent="0" lvl="0" marL="0" rtl="0" algn="l">
+              <a:spcBef>
+                <a:spcPts val="0"/>
+              </a:spcBef>
+              <a:spcAft>
+                <a:spcPts val="0"/>
+              </a:spcAft>
+              <a:buNone/>
+            </a:pPr>
+            <a:r>
+              <a:t/>
+            </a:r>
+            <a:endParaRPr/>
+          </a:p>
+        </p:txBody>
+      </p:sp>
+    </p:spTree>
+  </p:cSld>
+  <p:clrMapOvr>
+    <a:masterClrMapping/>
+  </p:clrMapOvr>
+</p:notes>
+</file>
+
+<file path=ppt/notesSlides/notesSlide14.xml><?xml version="1.0" encoding="utf-8"?>
+<p:notes xmlns:a="http://schemas.openxmlformats.org/drawingml/2006/main" xmlns:r="http://schemas.openxmlformats.org/officeDocument/2006/relationships" xmlns:mc="http://schemas.openxmlformats.org/markup-compatibility/2006" xmlns:mv="urn:schemas-microsoft-com:mac:vml" xmlns:p="http://schemas.openxmlformats.org/presentationml/2006/main" xmlns:c="http://schemas.openxmlformats.org/drawingml/2006/chart" xmlns:dgm="http://schemas.openxmlformats.org/drawingml/2006/diagram" xmlns:o="urn:schemas-microsoft-com:office:office" xmlns:v="urn:schemas-microsoft-com:vml" xmlns:pvml="urn:schemas-microsoft-com:office:powerpoint" xmlns:com="http://schemas.openxmlformats.org/drawingml/2006/compatibility" xmlns:p14="http://schemas.microsoft.com/office/powerpoint/2010/main" xmlns:p15="http://schemas.microsoft.com/office/powerpoint/2012/main" showMasterPhAnim="0" showMasterSp="0">
+  <p:cSld>
+    <p:spTree>
+      <p:nvGrpSpPr>
+        <p:cNvPr id="128" name="Shape 128"/>
+        <p:cNvGrpSpPr/>
+        <p:nvPr/>
+      </p:nvGrpSpPr>
+      <p:grpSpPr>
+        <a:xfrm>
+          <a:off x="0" y="0"/>
+          <a:ext cx="0" cy="0"/>
+          <a:chOff x="0" y="0"/>
+          <a:chExt cx="0" cy="0"/>
+        </a:xfrm>
+      </p:grpSpPr>
+      <p:sp>
+        <p:nvSpPr>
+          <p:cNvPr id="129" name="Google Shape;129;g632d2c75ac_0_143:notes"/>
+          <p:cNvSpPr/>
+          <p:nvPr>
+            <p:ph idx="2" type="sldImg"/>
+          </p:nvPr>
+        </p:nvSpPr>
+        <p:spPr>
+          <a:xfrm>
+            <a:off x="381300" y="685800"/>
+            <a:ext cx="6096000" cy="3429000"/>
+          </a:xfrm>
+          <a:custGeom>
+            <a:rect b="b" l="l" r="r" t="t"/>
+            <a:pathLst>
+              <a:path extrusionOk="0" h="120000" w="120000">
+                <a:moveTo>
+                  <a:pt x="0" y="0"/>
+                </a:moveTo>
+                <a:lnTo>
+                  <a:pt x="120000" y="0"/>
+                </a:lnTo>
+                <a:lnTo>
+                  <a:pt x="120000" y="120000"/>
+                </a:lnTo>
+                <a:lnTo>
+                  <a:pt x="0" y="120000"/>
+                </a:lnTo>
+                <a:close/>
+              </a:path>
+            </a:pathLst>
+          </a:custGeom>
+        </p:spPr>
+      </p:sp>
+      <p:sp>
+        <p:nvSpPr>
+          <p:cNvPr id="130" name="Google Shape;130;g632d2c75ac_0_143:notes"/>
+          <p:cNvSpPr txBox="1"/>
+          <p:nvPr>
+            <p:ph idx="1" type="body"/>
+          </p:nvPr>
+        </p:nvSpPr>
+        <p:spPr>
+          <a:xfrm>
+            <a:off x="685800" y="4343400"/>
+            <a:ext cx="5486400" cy="4114800"/>
+          </a:xfrm>
+          <a:prstGeom prst="rect">
+            <a:avLst/>
+          </a:prstGeom>
+        </p:spPr>
+        <p:txBody>
+          <a:bodyPr anchorCtr="0" anchor="t" bIns="91425" lIns="91425" spcFirstLastPara="1" rIns="91425" wrap="square" tIns="91425">
+            <a:noAutofit/>
+          </a:bodyPr>
+          <a:lstStyle/>
+          <a:p>
+            <a:pPr indent="0" lvl="0" marL="0" rtl="0" algn="l">
+              <a:spcBef>
+                <a:spcPts val="0"/>
+              </a:spcBef>
+              <a:spcAft>
+                <a:spcPts val="0"/>
+              </a:spcAft>
+              <a:buNone/>
+            </a:pPr>
+            <a:r>
+              <a:t/>
+            </a:r>
+            <a:endParaRPr/>
+          </a:p>
+        </p:txBody>
+      </p:sp>
+    </p:spTree>
+  </p:cSld>
+  <p:clrMapOvr>
+    <a:masterClrMapping/>
+  </p:clrMapOvr>
+</p:notes>
+</file>
+
+<file path=ppt/notesSlides/notesSlide15.xml><?xml version="1.0" encoding="utf-8"?>
+<p:notes xmlns:a="http://schemas.openxmlformats.org/drawingml/2006/main" xmlns:r="http://schemas.openxmlformats.org/officeDocument/2006/relationships" xmlns:mc="http://schemas.openxmlformats.org/markup-compatibility/2006" xmlns:mv="urn:schemas-microsoft-com:mac:vml" xmlns:p="http://schemas.openxmlformats.org/presentationml/2006/main" xmlns:c="http://schemas.openxmlformats.org/drawingml/2006/chart" xmlns:dgm="http://schemas.openxmlformats.org/drawingml/2006/diagram" xmlns:o="urn:schemas-microsoft-com:office:office" xmlns:v="urn:schemas-microsoft-com:vml" xmlns:pvml="urn:schemas-microsoft-com:office:powerpoint" xmlns:com="http://schemas.openxmlformats.org/drawingml/2006/compatibility" xmlns:p14="http://schemas.microsoft.com/office/powerpoint/2010/main" xmlns:p15="http://schemas.microsoft.com/office/powerpoint/2012/main" showMasterPhAnim="0" showMasterSp="0">
+  <p:cSld>
+    <p:spTree>
+      <p:nvGrpSpPr>
+        <p:cNvPr id="134" name="Shape 134"/>
+        <p:cNvGrpSpPr/>
+        <p:nvPr/>
+      </p:nvGrpSpPr>
+      <p:grpSpPr>
+        <a:xfrm>
+          <a:off x="0" y="0"/>
+          <a:ext cx="0" cy="0"/>
+          <a:chOff x="0" y="0"/>
+          <a:chExt cx="0" cy="0"/>
+        </a:xfrm>
+      </p:grpSpPr>
+      <p:sp>
+        <p:nvSpPr>
+          <p:cNvPr id="135" name="Google Shape;135;g62419866c6_0_20:notes"/>
+          <p:cNvSpPr/>
+          <p:nvPr>
+            <p:ph idx="2" type="sldImg"/>
+          </p:nvPr>
+        </p:nvSpPr>
+        <p:spPr>
+          <a:xfrm>
+            <a:off x="381300" y="685800"/>
+            <a:ext cx="6096000" cy="3429000"/>
+          </a:xfrm>
+          <a:custGeom>
+            <a:rect b="b" l="l" r="r" t="t"/>
+            <a:pathLst>
+              <a:path extrusionOk="0" h="120000" w="120000">
+                <a:moveTo>
+                  <a:pt x="0" y="0"/>
+                </a:moveTo>
+                <a:lnTo>
+                  <a:pt x="120000" y="0"/>
+                </a:lnTo>
+                <a:lnTo>
+                  <a:pt x="120000" y="120000"/>
+                </a:lnTo>
+                <a:lnTo>
+                  <a:pt x="0" y="120000"/>
+                </a:lnTo>
+                <a:close/>
+              </a:path>
+            </a:pathLst>
+          </a:custGeom>
+        </p:spPr>
+      </p:sp>
+      <p:sp>
+        <p:nvSpPr>
+          <p:cNvPr id="136" name="Google Shape;136;g62419866c6_0_20:notes"/>
           <p:cNvSpPr txBox="1"/>
           <p:nvPr>
             <p:ph idx="1" type="body"/>
@@ -1705,7 +2105,7 @@
       </p:grpSpPr>
       <p:sp>
         <p:nvSpPr>
-          <p:cNvPr id="99" name="Google Shape;99;g632d2c75ac_0_133:notes"/>
+          <p:cNvPr id="99" name="Google Shape;99;g62419866c6_0_5:notes"/>
           <p:cNvSpPr/>
           <p:nvPr>
             <p:ph idx="2" type="sldImg"/>
@@ -1740,7 +2140,7 @@
       </p:sp>
       <p:sp>
         <p:nvSpPr>
-          <p:cNvPr id="100" name="Google Shape;100;g632d2c75ac_0_133:notes"/>
+          <p:cNvPr id="100" name="Google Shape;100;g62419866c6_0_5:notes"/>
           <p:cNvSpPr txBox="1"/>
           <p:nvPr>
             <p:ph idx="1" type="body"/>
@@ -6717,7 +7117,7 @@
           <a:blip r:embed="rId3">
             <a:alphaModFix/>
           </a:blip>
-          <a:srcRect b="504" l="0" r="0" t="495"/>
+          <a:srcRect b="941" l="0" r="0" t="941"/>
           <a:stretch/>
         </p:blipFill>
         <p:spPr>
@@ -6809,6 +7209,282 @@
           <a:blip r:embed="rId3">
             <a:alphaModFix/>
           </a:blip>
+          <a:srcRect b="612" l="0" r="0" t="612"/>
+          <a:stretch/>
+        </p:blipFill>
+        <p:spPr>
+          <a:xfrm>
+            <a:off x="1590250" y="837400"/>
+            <a:ext cx="5963483" cy="4070525"/>
+          </a:xfrm>
+          <a:prstGeom prst="rect">
+            <a:avLst/>
+          </a:prstGeom>
+          <a:noFill/>
+          <a:ln>
+            <a:noFill/>
+          </a:ln>
+        </p:spPr>
+      </p:pic>
+    </p:spTree>
+  </p:cSld>
+  <p:clrMapOvr>
+    <a:masterClrMapping/>
+  </p:clrMapOvr>
+</p:sld>
+</file>
+
+<file path=ppt/slides/slide12.xml><?xml version="1.0" encoding="utf-8"?>
+<p:sld xmlns:a="http://schemas.openxmlformats.org/drawingml/2006/main" xmlns:r="http://schemas.openxmlformats.org/officeDocument/2006/relationships" xmlns:mc="http://schemas.openxmlformats.org/markup-compatibility/2006" xmlns:mv="urn:schemas-microsoft-com:mac:vml" xmlns:p="http://schemas.openxmlformats.org/presentationml/2006/main" xmlns:c="http://schemas.openxmlformats.org/drawingml/2006/chart" xmlns:dgm="http://schemas.openxmlformats.org/drawingml/2006/diagram" xmlns:o="urn:schemas-microsoft-com:office:office" xmlns:v="urn:schemas-microsoft-com:vml" xmlns:pvml="urn:schemas-microsoft-com:office:powerpoint" xmlns:com="http://schemas.openxmlformats.org/drawingml/2006/compatibility" xmlns:p14="http://schemas.microsoft.com/office/powerpoint/2010/main" xmlns:p15="http://schemas.microsoft.com/office/powerpoint/2012/main">
+  <p:cSld>
+    <p:spTree>
+      <p:nvGrpSpPr>
+        <p:cNvPr id="119" name="Shape 119"/>
+        <p:cNvGrpSpPr/>
+        <p:nvPr/>
+      </p:nvGrpSpPr>
+      <p:grpSpPr>
+        <a:xfrm>
+          <a:off x="0" y="0"/>
+          <a:ext cx="0" cy="0"/>
+          <a:chOff x="0" y="0"/>
+          <a:chExt cx="0" cy="0"/>
+        </a:xfrm>
+      </p:grpSpPr>
+      <p:sp>
+        <p:nvSpPr>
+          <p:cNvPr id="120" name="Google Shape;120;p24"/>
+          <p:cNvSpPr txBox="1"/>
+          <p:nvPr>
+            <p:ph type="title"/>
+          </p:nvPr>
+        </p:nvSpPr>
+        <p:spPr>
+          <a:xfrm>
+            <a:off x="311700" y="195475"/>
+            <a:ext cx="8520600" cy="572700"/>
+          </a:xfrm>
+          <a:prstGeom prst="rect">
+            <a:avLst/>
+          </a:prstGeom>
+        </p:spPr>
+        <p:txBody>
+          <a:bodyPr anchorCtr="0" anchor="t" bIns="91425" lIns="91425" spcFirstLastPara="1" rIns="91425" wrap="square" tIns="91425">
+            <a:noAutofit/>
+          </a:bodyPr>
+          <a:lstStyle/>
+          <a:p>
+            <a:pPr indent="0" lvl="0" marL="0" rtl="0" algn="ctr">
+              <a:spcBef>
+                <a:spcPts val="0"/>
+              </a:spcBef>
+              <a:spcAft>
+                <a:spcPts val="0"/>
+              </a:spcAft>
+              <a:buNone/>
+            </a:pPr>
+            <a:r>
+              <a:rPr lang="en"/>
+              <a:t>EDA</a:t>
+            </a:r>
+            <a:endParaRPr/>
+          </a:p>
+        </p:txBody>
+      </p:sp>
+      <p:pic>
+        <p:nvPicPr>
+          <p:cNvPr id="121" name="Google Shape;121;p24"/>
+          <p:cNvPicPr preferRelativeResize="0"/>
+          <p:nvPr/>
+        </p:nvPicPr>
+        <p:blipFill rotWithShape="1">
+          <a:blip r:embed="rId3">
+            <a:alphaModFix/>
+          </a:blip>
+          <a:srcRect b="504" l="0" r="0" t="495"/>
+          <a:stretch/>
+        </p:blipFill>
+        <p:spPr>
+          <a:xfrm>
+            <a:off x="1590250" y="837400"/>
+            <a:ext cx="5963484" cy="4070525"/>
+          </a:xfrm>
+          <a:prstGeom prst="rect">
+            <a:avLst/>
+          </a:prstGeom>
+          <a:noFill/>
+          <a:ln>
+            <a:noFill/>
+          </a:ln>
+        </p:spPr>
+      </p:pic>
+    </p:spTree>
+  </p:cSld>
+  <p:clrMapOvr>
+    <a:masterClrMapping/>
+  </p:clrMapOvr>
+</p:sld>
+</file>
+
+<file path=ppt/slides/slide13.xml><?xml version="1.0" encoding="utf-8"?>
+<p:sld xmlns:a="http://schemas.openxmlformats.org/drawingml/2006/main" xmlns:r="http://schemas.openxmlformats.org/officeDocument/2006/relationships" xmlns:mc="http://schemas.openxmlformats.org/markup-compatibility/2006" xmlns:mv="urn:schemas-microsoft-com:mac:vml" xmlns:p="http://schemas.openxmlformats.org/presentationml/2006/main" xmlns:c="http://schemas.openxmlformats.org/drawingml/2006/chart" xmlns:dgm="http://schemas.openxmlformats.org/drawingml/2006/diagram" xmlns:o="urn:schemas-microsoft-com:office:office" xmlns:v="urn:schemas-microsoft-com:vml" xmlns:pvml="urn:schemas-microsoft-com:office:powerpoint" xmlns:com="http://schemas.openxmlformats.org/drawingml/2006/compatibility" xmlns:p14="http://schemas.microsoft.com/office/powerpoint/2010/main" xmlns:p15="http://schemas.microsoft.com/office/powerpoint/2012/main">
+  <p:cSld>
+    <p:spTree>
+      <p:nvGrpSpPr>
+        <p:cNvPr id="125" name="Shape 125"/>
+        <p:cNvGrpSpPr/>
+        <p:nvPr/>
+      </p:nvGrpSpPr>
+      <p:grpSpPr>
+        <a:xfrm>
+          <a:off x="0" y="0"/>
+          <a:ext cx="0" cy="0"/>
+          <a:chOff x="0" y="0"/>
+          <a:chExt cx="0" cy="0"/>
+        </a:xfrm>
+      </p:grpSpPr>
+      <p:sp>
+        <p:nvSpPr>
+          <p:cNvPr id="126" name="Google Shape;126;p25"/>
+          <p:cNvSpPr txBox="1"/>
+          <p:nvPr>
+            <p:ph type="title"/>
+          </p:nvPr>
+        </p:nvSpPr>
+        <p:spPr>
+          <a:xfrm>
+            <a:off x="311700" y="195475"/>
+            <a:ext cx="8520600" cy="572700"/>
+          </a:xfrm>
+          <a:prstGeom prst="rect">
+            <a:avLst/>
+          </a:prstGeom>
+        </p:spPr>
+        <p:txBody>
+          <a:bodyPr anchorCtr="0" anchor="t" bIns="91425" lIns="91425" spcFirstLastPara="1" rIns="91425" wrap="square" tIns="91425">
+            <a:noAutofit/>
+          </a:bodyPr>
+          <a:lstStyle/>
+          <a:p>
+            <a:pPr indent="0" lvl="0" marL="0" rtl="0" algn="ctr">
+              <a:spcBef>
+                <a:spcPts val="0"/>
+              </a:spcBef>
+              <a:spcAft>
+                <a:spcPts val="0"/>
+              </a:spcAft>
+              <a:buNone/>
+            </a:pPr>
+            <a:r>
+              <a:rPr lang="en"/>
+              <a:t>EDA</a:t>
+            </a:r>
+            <a:endParaRPr/>
+          </a:p>
+        </p:txBody>
+      </p:sp>
+      <p:pic>
+        <p:nvPicPr>
+          <p:cNvPr id="127" name="Google Shape;127;p25"/>
+          <p:cNvPicPr preferRelativeResize="0"/>
+          <p:nvPr/>
+        </p:nvPicPr>
+        <p:blipFill rotWithShape="1">
+          <a:blip r:embed="rId3">
+            <a:alphaModFix/>
+          </a:blip>
+          <a:srcRect b="612" l="0" r="0" t="612"/>
+          <a:stretch/>
+        </p:blipFill>
+        <p:spPr>
+          <a:xfrm>
+            <a:off x="1590250" y="837400"/>
+            <a:ext cx="5963483" cy="4070525"/>
+          </a:xfrm>
+          <a:prstGeom prst="rect">
+            <a:avLst/>
+          </a:prstGeom>
+          <a:noFill/>
+          <a:ln>
+            <a:noFill/>
+          </a:ln>
+        </p:spPr>
+      </p:pic>
+    </p:spTree>
+  </p:cSld>
+  <p:clrMapOvr>
+    <a:masterClrMapping/>
+  </p:clrMapOvr>
+</p:sld>
+</file>
+
+<file path=ppt/slides/slide14.xml><?xml version="1.0" encoding="utf-8"?>
+<p:sld xmlns:a="http://schemas.openxmlformats.org/drawingml/2006/main" xmlns:r="http://schemas.openxmlformats.org/officeDocument/2006/relationships" xmlns:mc="http://schemas.openxmlformats.org/markup-compatibility/2006" xmlns:mv="urn:schemas-microsoft-com:mac:vml" xmlns:p="http://schemas.openxmlformats.org/presentationml/2006/main" xmlns:c="http://schemas.openxmlformats.org/drawingml/2006/chart" xmlns:dgm="http://schemas.openxmlformats.org/drawingml/2006/diagram" xmlns:o="urn:schemas-microsoft-com:office:office" xmlns:v="urn:schemas-microsoft-com:vml" xmlns:pvml="urn:schemas-microsoft-com:office:powerpoint" xmlns:com="http://schemas.openxmlformats.org/drawingml/2006/compatibility" xmlns:p14="http://schemas.microsoft.com/office/powerpoint/2010/main" xmlns:p15="http://schemas.microsoft.com/office/powerpoint/2012/main">
+  <p:cSld>
+    <p:spTree>
+      <p:nvGrpSpPr>
+        <p:cNvPr id="131" name="Shape 131"/>
+        <p:cNvGrpSpPr/>
+        <p:nvPr/>
+      </p:nvGrpSpPr>
+      <p:grpSpPr>
+        <a:xfrm>
+          <a:off x="0" y="0"/>
+          <a:ext cx="0" cy="0"/>
+          <a:chOff x="0" y="0"/>
+          <a:chExt cx="0" cy="0"/>
+        </a:xfrm>
+      </p:grpSpPr>
+      <p:sp>
+        <p:nvSpPr>
+          <p:cNvPr id="132" name="Google Shape;132;p26"/>
+          <p:cNvSpPr txBox="1"/>
+          <p:nvPr>
+            <p:ph type="title"/>
+          </p:nvPr>
+        </p:nvSpPr>
+        <p:spPr>
+          <a:xfrm>
+            <a:off x="311700" y="195475"/>
+            <a:ext cx="8520600" cy="572700"/>
+          </a:xfrm>
+          <a:prstGeom prst="rect">
+            <a:avLst/>
+          </a:prstGeom>
+        </p:spPr>
+        <p:txBody>
+          <a:bodyPr anchorCtr="0" anchor="t" bIns="91425" lIns="91425" spcFirstLastPara="1" rIns="91425" wrap="square" tIns="91425">
+            <a:noAutofit/>
+          </a:bodyPr>
+          <a:lstStyle/>
+          <a:p>
+            <a:pPr indent="0" lvl="0" marL="0" rtl="0" algn="ctr">
+              <a:spcBef>
+                <a:spcPts val="0"/>
+              </a:spcBef>
+              <a:spcAft>
+                <a:spcPts val="0"/>
+              </a:spcAft>
+              <a:buNone/>
+            </a:pPr>
+            <a:r>
+              <a:rPr lang="en"/>
+              <a:t>EDA</a:t>
+            </a:r>
+            <a:endParaRPr/>
+          </a:p>
+        </p:txBody>
+      </p:sp>
+      <p:pic>
+        <p:nvPicPr>
+          <p:cNvPr id="133" name="Google Shape;133;p26"/>
+          <p:cNvPicPr preferRelativeResize="0"/>
+          <p:nvPr/>
+        </p:nvPicPr>
+        <p:blipFill rotWithShape="1">
+          <a:blip r:embed="rId3">
+            <a:alphaModFix/>
+          </a:blip>
           <a:srcRect b="941" l="0" r="0" t="941"/>
           <a:stretch/>
         </p:blipFill>
@@ -6816,6 +7492,98 @@
           <a:xfrm>
             <a:off x="1590250" y="837400"/>
             <a:ext cx="5963484" cy="4070525"/>
+          </a:xfrm>
+          <a:prstGeom prst="rect">
+            <a:avLst/>
+          </a:prstGeom>
+          <a:noFill/>
+          <a:ln>
+            <a:noFill/>
+          </a:ln>
+        </p:spPr>
+      </p:pic>
+    </p:spTree>
+  </p:cSld>
+  <p:clrMapOvr>
+    <a:masterClrMapping/>
+  </p:clrMapOvr>
+</p:sld>
+</file>
+
+<file path=ppt/slides/slide15.xml><?xml version="1.0" encoding="utf-8"?>
+<p:sld xmlns:a="http://schemas.openxmlformats.org/drawingml/2006/main" xmlns:r="http://schemas.openxmlformats.org/officeDocument/2006/relationships" xmlns:mc="http://schemas.openxmlformats.org/markup-compatibility/2006" xmlns:mv="urn:schemas-microsoft-com:mac:vml" xmlns:p="http://schemas.openxmlformats.org/presentationml/2006/main" xmlns:c="http://schemas.openxmlformats.org/drawingml/2006/chart" xmlns:dgm="http://schemas.openxmlformats.org/drawingml/2006/diagram" xmlns:o="urn:schemas-microsoft-com:office:office" xmlns:v="urn:schemas-microsoft-com:vml" xmlns:pvml="urn:schemas-microsoft-com:office:powerpoint" xmlns:com="http://schemas.openxmlformats.org/drawingml/2006/compatibility" xmlns:p14="http://schemas.microsoft.com/office/powerpoint/2010/main" xmlns:p15="http://schemas.microsoft.com/office/powerpoint/2012/main">
+  <p:cSld>
+    <p:spTree>
+      <p:nvGrpSpPr>
+        <p:cNvPr id="137" name="Shape 137"/>
+        <p:cNvGrpSpPr/>
+        <p:nvPr/>
+      </p:nvGrpSpPr>
+      <p:grpSpPr>
+        <a:xfrm>
+          <a:off x="0" y="0"/>
+          <a:ext cx="0" cy="0"/>
+          <a:chOff x="0" y="0"/>
+          <a:chExt cx="0" cy="0"/>
+        </a:xfrm>
+      </p:grpSpPr>
+      <p:sp>
+        <p:nvSpPr>
+          <p:cNvPr id="138" name="Google Shape;138;p27"/>
+          <p:cNvSpPr txBox="1"/>
+          <p:nvPr>
+            <p:ph type="title"/>
+          </p:nvPr>
+        </p:nvSpPr>
+        <p:spPr>
+          <a:xfrm>
+            <a:off x="311700" y="195475"/>
+            <a:ext cx="8520600" cy="572700"/>
+          </a:xfrm>
+          <a:prstGeom prst="rect">
+            <a:avLst/>
+          </a:prstGeom>
+        </p:spPr>
+        <p:txBody>
+          <a:bodyPr anchorCtr="0" anchor="t" bIns="91425" lIns="91425" spcFirstLastPara="1" rIns="91425" wrap="square" tIns="91425">
+            <a:noAutofit/>
+          </a:bodyPr>
+          <a:lstStyle/>
+          <a:p>
+            <a:pPr indent="0" lvl="0" marL="0" rtl="0" algn="ctr">
+              <a:spcBef>
+                <a:spcPts val="0"/>
+              </a:spcBef>
+              <a:spcAft>
+                <a:spcPts val="0"/>
+              </a:spcAft>
+              <a:buNone/>
+            </a:pPr>
+            <a:r>
+              <a:rPr lang="en"/>
+              <a:t>EDA</a:t>
+            </a:r>
+            <a:endParaRPr/>
+          </a:p>
+        </p:txBody>
+      </p:sp>
+      <p:pic>
+        <p:nvPicPr>
+          <p:cNvPr id="139" name="Google Shape;139;p27"/>
+          <p:cNvPicPr preferRelativeResize="0"/>
+          <p:nvPr/>
+        </p:nvPicPr>
+        <p:blipFill rotWithShape="1">
+          <a:blip r:embed="rId3">
+            <a:alphaModFix/>
+          </a:blip>
+          <a:srcRect b="159" l="0" r="0" t="169"/>
+          <a:stretch/>
+        </p:blipFill>
+        <p:spPr>
+          <a:xfrm>
+            <a:off x="1590250" y="837400"/>
+            <a:ext cx="5963483" cy="4070525"/>
           </a:xfrm>
           <a:prstGeom prst="rect">
             <a:avLst/>
@@ -6914,7 +7682,7 @@
           </a:bodyPr>
           <a:lstStyle/>
           <a:p>
-            <a:pPr indent="0" lvl="0" marL="0" rtl="0" algn="l">
+            <a:pPr indent="-342900" lvl="0" marL="457200" rtl="0" algn="l">
               <a:lnSpc>
                 <a:spcPct val="200000"/>
               </a:lnSpc>
@@ -6922,17 +7690,78 @@
                 <a:spcPts val="0"/>
               </a:spcBef>
               <a:spcAft>
-                <a:spcPts val="1600"/>
-              </a:spcAft>
-              <a:buNone/>
+                <a:spcPts val="0"/>
+              </a:spcAft>
+              <a:buSzPts val="1800"/>
+              <a:buChar char="●"/>
             </a:pPr>
             <a:r>
               <a:rPr lang="en"/>
-              <a:t>This projects aims to</a:t>
+              <a:t>Understand difference between </a:t>
             </a:r>
             <a:r>
               <a:rPr lang="en"/>
-              <a:t> gain greater understanding into the different NBA positions. There are 5 positions in the NBA (point guard, shooting guard, small forward, power forward, and center). Each position has a unique skill set and it would be interesting to see which in game statistics contribute most to a player’s position designation. This is a classification task, predicting a player’s position based on their seasonal statistics. Data was scraped from basketball-reference.com </a:t>
+              <a:t>NBA positions</a:t>
+            </a:r>
+            <a:endParaRPr/>
+          </a:p>
+          <a:p>
+            <a:pPr indent="-342900" lvl="0" marL="457200" rtl="0" algn="l">
+              <a:lnSpc>
+                <a:spcPct val="200000"/>
+              </a:lnSpc>
+              <a:spcBef>
+                <a:spcPts val="0"/>
+              </a:spcBef>
+              <a:spcAft>
+                <a:spcPts val="0"/>
+              </a:spcAft>
+              <a:buSzPts val="1800"/>
+              <a:buChar char="●"/>
+            </a:pPr>
+            <a:r>
+              <a:rPr lang="en"/>
+              <a:t>There are 5 positions in the NBA (point guard, shooting guard, small forward, power forward, and center). </a:t>
+            </a:r>
+            <a:endParaRPr/>
+          </a:p>
+          <a:p>
+            <a:pPr indent="-342900" lvl="0" marL="457200" rtl="0" algn="l">
+              <a:lnSpc>
+                <a:spcPct val="200000"/>
+              </a:lnSpc>
+              <a:spcBef>
+                <a:spcPts val="0"/>
+              </a:spcBef>
+              <a:spcAft>
+                <a:spcPts val="0"/>
+              </a:spcAft>
+              <a:buSzPts val="1800"/>
+              <a:buChar char="●"/>
+            </a:pPr>
+            <a:r>
+              <a:rPr lang="en"/>
+              <a:t>This is a classification task, predicting a player’s position based on their seasonal statistics</a:t>
+            </a:r>
+            <a:endParaRPr/>
+          </a:p>
+          <a:p>
+            <a:pPr indent="-342900" lvl="0" marL="457200" rtl="0" algn="l">
+              <a:lnSpc>
+                <a:spcPct val="200000"/>
+              </a:lnSpc>
+              <a:spcBef>
+                <a:spcPts val="0"/>
+              </a:spcBef>
+              <a:spcAft>
+                <a:spcPts val="0"/>
+              </a:spcAft>
+              <a:buSzPts val="1800"/>
+              <a:buChar char="●"/>
+            </a:pPr>
+            <a:r>
+              <a:rPr lang="en"/>
+              <a:t>Data was scraped from basketball-reference.com </a:t>
             </a:r>
             <a:endParaRPr/>
           </a:p>
@@ -7811,13 +8640,13 @@
           <a:blip r:embed="rId3">
             <a:alphaModFix/>
           </a:blip>
-          <a:srcRect b="941" l="0" r="0" t="941"/>
+          <a:srcRect b="612" l="0" r="0" t="612"/>
           <a:stretch/>
         </p:blipFill>
         <p:spPr>
           <a:xfrm>
             <a:off x="1590250" y="837400"/>
-            <a:ext cx="5963484" cy="4070525"/>
+            <a:ext cx="5963483" cy="4070525"/>
           </a:xfrm>
           <a:prstGeom prst="rect">
             <a:avLst/>
